--- a/Schematic.pptx
+++ b/Schematic.pptx
@@ -30644,7 +30644,7 @@
         <p:spPr bwMode="auto">
           <a:xfrm>
             <a:off x="5024438" y="2959101"/>
-            <a:ext cx="1106488" cy="1104900"/>
+            <a:ext cx="1106488" cy="1038225"/>
           </a:xfrm>
           <a:prstGeom prst="rect">
             <a:avLst/>
@@ -33210,7 +33210,7 @@
         </p:nvSpPr>
         <p:spPr bwMode="auto">
           <a:xfrm>
-            <a:off x="5422901" y="3730626"/>
+            <a:off x="5426076" y="3654425"/>
             <a:ext cx="566738" cy="176213"/>
           </a:xfrm>
           <a:prstGeom prst="rect">
@@ -33393,7 +33393,7 @@
               <a:tabLst/>
             </a:pPr>
             <a:r>
-              <a:rPr kumimoji="0" lang="en-US" altLang="en-US" sz="1000" b="1" i="0" u="none" strike="noStrike" cap="none" normalizeH="0" baseline="0">
+              <a:rPr kumimoji="0" lang="en-US" altLang="en-US" sz="1000" b="1" i="0" u="none" strike="noStrike" cap="none" normalizeH="0" baseline="0" dirty="0">
                 <a:ln>
                   <a:noFill/>
                 </a:ln>
@@ -33405,7 +33405,7 @@
               </a:rPr>
               <a:t>Register</a:t>
             </a:r>
-            <a:endParaRPr kumimoji="0" lang="en-US" altLang="en-US" sz="1800" b="0" i="0" u="none" strike="noStrike" cap="none" normalizeH="0" baseline="0">
+            <a:endParaRPr kumimoji="0" lang="en-US" altLang="en-US" sz="1800" b="0" i="0" u="none" strike="noStrike" cap="none" normalizeH="0" baseline="0" dirty="0">
               <a:ln>
                 <a:noFill/>
               </a:ln>
@@ -33434,7 +33434,7 @@
         </p:nvSpPr>
         <p:spPr bwMode="auto">
           <a:xfrm>
-            <a:off x="5562601" y="3878263"/>
+            <a:off x="5570857" y="3793332"/>
             <a:ext cx="277813" cy="176213"/>
           </a:xfrm>
           <a:prstGeom prst="rect">
@@ -33617,7 +33617,7 @@
               <a:tabLst/>
             </a:pPr>
             <a:r>
-              <a:rPr kumimoji="0" lang="en-US" altLang="en-US" sz="1000" b="1" i="0" u="none" strike="noStrike" cap="none" normalizeH="0" baseline="0">
+              <a:rPr kumimoji="0" lang="en-US" altLang="en-US" sz="1000" b="1" i="0" u="none" strike="noStrike" cap="none" normalizeH="0" baseline="0" dirty="0">
                 <a:ln>
                   <a:noFill/>
                 </a:ln>
@@ -33629,7 +33629,7 @@
               </a:rPr>
               <a:t>File</a:t>
             </a:r>
-            <a:endParaRPr kumimoji="0" lang="en-US" altLang="en-US" sz="1800" b="0" i="0" u="none" strike="noStrike" cap="none" normalizeH="0" baseline="0">
+            <a:endParaRPr kumimoji="0" lang="en-US" altLang="en-US" sz="1800" b="0" i="0" u="none" strike="noStrike" cap="none" normalizeH="0" baseline="0" dirty="0">
               <a:ln>
                 <a:noFill/>
               </a:ln>
@@ -41160,7 +41160,7 @@
               <a:tabLst/>
             </a:pPr>
             <a:r>
-              <a:rPr kumimoji="0" lang="en-US" altLang="en-US" sz="600" b="0" i="0" u="none" strike="noStrike" cap="none" normalizeH="0" baseline="0">
+              <a:rPr kumimoji="0" lang="en-US" altLang="en-US" sz="600" b="0" i="0" u="none" strike="noStrike" cap="none" normalizeH="0" baseline="0" dirty="0">
                 <a:ln>
                   <a:noFill/>
                 </a:ln>
@@ -41172,7 +41172,7 @@
               </a:rPr>
               <a:t>20:16</a:t>
             </a:r>
-            <a:endParaRPr kumimoji="0" lang="en-US" altLang="en-US" sz="1800" b="0" i="0" u="none" strike="noStrike" cap="none" normalizeH="0" baseline="0">
+            <a:endParaRPr kumimoji="0" lang="en-US" altLang="en-US" sz="1800" b="0" i="0" u="none" strike="noStrike" cap="none" normalizeH="0" baseline="0" dirty="0">
               <a:ln>
                 <a:noFill/>
               </a:ln>
@@ -51016,8 +51016,8 @@
         </p:nvCxnSpPr>
         <p:spPr>
           <a:xfrm flipV="1">
-            <a:off x="6531296" y="3330179"/>
-            <a:ext cx="1" cy="724696"/>
+            <a:off x="6529941" y="3330179"/>
+            <a:ext cx="1356" cy="710010"/>
           </a:xfrm>
           <a:prstGeom prst="line">
             <a:avLst/>
@@ -51054,7 +51054,7 @@
         </p:nvSpPr>
         <p:spPr bwMode="auto">
           <a:xfrm>
-            <a:off x="4215769" y="3552305"/>
+            <a:off x="7019132" y="3210948"/>
             <a:ext cx="352424" cy="107722"/>
           </a:xfrm>
           <a:prstGeom prst="rect">
@@ -51278,8 +51278,8 @@
         </p:nvSpPr>
         <p:spPr bwMode="auto">
           <a:xfrm>
-            <a:off x="4464051" y="4044952"/>
-            <a:ext cx="2064543" cy="9524"/>
+            <a:off x="4746626" y="4032888"/>
+            <a:ext cx="1778393" cy="3174"/>
           </a:xfrm>
           <a:prstGeom prst="line">
             <a:avLst/>
@@ -51342,7 +51342,7 @@
         </p:nvSpPr>
         <p:spPr bwMode="auto">
           <a:xfrm>
-            <a:off x="4514880" y="3602736"/>
+            <a:off x="7307652" y="3246310"/>
             <a:ext cx="107402" cy="92333"/>
           </a:xfrm>
           <a:prstGeom prst="rect">
@@ -51552,128 +51552,232 @@
       </p:sp>
       <p:sp>
         <p:nvSpPr>
-          <p:cNvPr id="228" name="Line 161">
+          <p:cNvPr id="202" name="Rectangle 119">
             <a:extLst>
               <a:ext uri="{FF2B5EF4-FFF2-40B4-BE49-F238E27FC236}">
-                <a16:creationId xmlns:a16="http://schemas.microsoft.com/office/drawing/2014/main" id="{41395A46-2F41-4BF1-81AB-6C2AB0914604}"/>
+                <a16:creationId xmlns:a16="http://schemas.microsoft.com/office/drawing/2014/main" id="{0E0E44E4-F3A4-47E1-92EE-334FDEA280F9}"/>
               </a:ext>
             </a:extLst>
           </p:cNvPr>
           <p:cNvSpPr>
-            <a:spLocks noChangeShapeType="1"/>
+            <a:spLocks noChangeArrowheads="1"/>
           </p:cNvSpPr>
           <p:nvPr/>
         </p:nvSpPr>
         <p:spPr bwMode="auto">
           <a:xfrm>
-            <a:off x="4471224" y="3692527"/>
-            <a:ext cx="2351" cy="361946"/>
+            <a:off x="4766760" y="3944940"/>
+            <a:ext cx="150682" cy="92333"/>
           </a:xfrm>
-          <a:prstGeom prst="line">
+          <a:prstGeom prst="rect">
             <a:avLst/>
           </a:prstGeom>
+          <a:noFill/>
           <a:ln>
-            <a:headEnd/>
-            <a:tailEnd/>
+            <a:noFill/>
           </a:ln>
           <a:extLst>
             <a:ext uri="{909E8E84-426E-40DD-AFC4-6F175D3DCCD1}">
               <a14:hiddenFill xmlns:a14="http://schemas.microsoft.com/office/drawing/2010/main">
-                <a:noFill/>
+                <a:solidFill>
+                  <a:srgbClr val="FFFFFF"/>
+                </a:solidFill>
               </a14:hiddenFill>
+            </a:ext>
+            <a:ext uri="{91240B29-F687-4F45-9708-019B960494DF}">
+              <a14:hiddenLine xmlns:a14="http://schemas.microsoft.com/office/drawing/2010/main" w="9525">
+                <a:solidFill>
+                  <a:srgbClr val="000000"/>
+                </a:solidFill>
+                <a:miter lim="800000"/>
+                <a:headEnd/>
+                <a:tailEnd/>
+              </a14:hiddenLine>
             </a:ext>
           </a:extLst>
         </p:spPr>
-        <p:style>
-          <a:lnRef idx="2">
-            <a:schemeClr val="accent2"/>
-          </a:lnRef>
-          <a:fillRef idx="0">
-            <a:schemeClr val="accent2"/>
-          </a:fillRef>
-          <a:effectRef idx="1">
-            <a:schemeClr val="accent2"/>
-          </a:effectRef>
-          <a:fontRef idx="minor">
-            <a:schemeClr val="tx1"/>
-          </a:fontRef>
-        </p:style>
         <p:txBody>
-          <a:bodyPr vert="horz" wrap="square" lIns="91440" tIns="45720" rIns="91440" bIns="45720" numCol="1" anchor="t" anchorCtr="0" compatLnSpc="1">
+          <a:bodyPr vert="horz" wrap="none" lIns="0" tIns="0" rIns="0" bIns="0" numCol="1" anchor="t" anchorCtr="0" compatLnSpc="1">
             <a:prstTxWarp prst="textNoShape">
               <a:avLst/>
             </a:prstTxWarp>
+            <a:spAutoFit/>
           </a:bodyPr>
-          <a:lstStyle/>
+          <a:lstStyle>
+            <a:lvl1pPr eaLnBrk="0" fontAlgn="base" hangingPunct="0">
+              <a:spcBef>
+                <a:spcPct val="0"/>
+              </a:spcBef>
+              <a:spcAft>
+                <a:spcPct val="0"/>
+              </a:spcAft>
+              <a:defRPr>
+                <a:solidFill>
+                  <a:schemeClr val="tx1"/>
+                </a:solidFill>
+                <a:latin typeface="Arial" panose="020B0604020202020204" pitchFamily="34" charset="0"/>
+              </a:defRPr>
+            </a:lvl1pPr>
+            <a:lvl2pPr eaLnBrk="0" fontAlgn="base" hangingPunct="0">
+              <a:spcBef>
+                <a:spcPct val="0"/>
+              </a:spcBef>
+              <a:spcAft>
+                <a:spcPct val="0"/>
+              </a:spcAft>
+              <a:defRPr>
+                <a:solidFill>
+                  <a:schemeClr val="tx1"/>
+                </a:solidFill>
+                <a:latin typeface="Arial" panose="020B0604020202020204" pitchFamily="34" charset="0"/>
+              </a:defRPr>
+            </a:lvl2pPr>
+            <a:lvl3pPr eaLnBrk="0" fontAlgn="base" hangingPunct="0">
+              <a:spcBef>
+                <a:spcPct val="0"/>
+              </a:spcBef>
+              <a:spcAft>
+                <a:spcPct val="0"/>
+              </a:spcAft>
+              <a:defRPr>
+                <a:solidFill>
+                  <a:schemeClr val="tx1"/>
+                </a:solidFill>
+                <a:latin typeface="Arial" panose="020B0604020202020204" pitchFamily="34" charset="0"/>
+              </a:defRPr>
+            </a:lvl3pPr>
+            <a:lvl4pPr eaLnBrk="0" fontAlgn="base" hangingPunct="0">
+              <a:spcBef>
+                <a:spcPct val="0"/>
+              </a:spcBef>
+              <a:spcAft>
+                <a:spcPct val="0"/>
+              </a:spcAft>
+              <a:defRPr>
+                <a:solidFill>
+                  <a:schemeClr val="tx1"/>
+                </a:solidFill>
+                <a:latin typeface="Arial" panose="020B0604020202020204" pitchFamily="34" charset="0"/>
+              </a:defRPr>
+            </a:lvl4pPr>
+            <a:lvl5pPr eaLnBrk="0" fontAlgn="base" hangingPunct="0">
+              <a:spcBef>
+                <a:spcPct val="0"/>
+              </a:spcBef>
+              <a:spcAft>
+                <a:spcPct val="0"/>
+              </a:spcAft>
+              <a:defRPr>
+                <a:solidFill>
+                  <a:schemeClr val="tx1"/>
+                </a:solidFill>
+                <a:latin typeface="Arial" panose="020B0604020202020204" pitchFamily="34" charset="0"/>
+              </a:defRPr>
+            </a:lvl5pPr>
+            <a:lvl6pPr eaLnBrk="0" fontAlgn="base" hangingPunct="0">
+              <a:spcBef>
+                <a:spcPct val="0"/>
+              </a:spcBef>
+              <a:spcAft>
+                <a:spcPct val="0"/>
+              </a:spcAft>
+              <a:defRPr>
+                <a:solidFill>
+                  <a:schemeClr val="tx1"/>
+                </a:solidFill>
+                <a:latin typeface="Arial" panose="020B0604020202020204" pitchFamily="34" charset="0"/>
+              </a:defRPr>
+            </a:lvl6pPr>
+            <a:lvl7pPr eaLnBrk="0" fontAlgn="base" hangingPunct="0">
+              <a:spcBef>
+                <a:spcPct val="0"/>
+              </a:spcBef>
+              <a:spcAft>
+                <a:spcPct val="0"/>
+              </a:spcAft>
+              <a:defRPr>
+                <a:solidFill>
+                  <a:schemeClr val="tx1"/>
+                </a:solidFill>
+                <a:latin typeface="Arial" panose="020B0604020202020204" pitchFamily="34" charset="0"/>
+              </a:defRPr>
+            </a:lvl7pPr>
+            <a:lvl8pPr eaLnBrk="0" fontAlgn="base" hangingPunct="0">
+              <a:spcBef>
+                <a:spcPct val="0"/>
+              </a:spcBef>
+              <a:spcAft>
+                <a:spcPct val="0"/>
+              </a:spcAft>
+              <a:defRPr>
+                <a:solidFill>
+                  <a:schemeClr val="tx1"/>
+                </a:solidFill>
+                <a:latin typeface="Arial" panose="020B0604020202020204" pitchFamily="34" charset="0"/>
+              </a:defRPr>
+            </a:lvl8pPr>
+            <a:lvl9pPr eaLnBrk="0" fontAlgn="base" hangingPunct="0">
+              <a:spcBef>
+                <a:spcPct val="0"/>
+              </a:spcBef>
+              <a:spcAft>
+                <a:spcPct val="0"/>
+              </a:spcAft>
+              <a:defRPr>
+                <a:solidFill>
+                  <a:schemeClr val="tx1"/>
+                </a:solidFill>
+                <a:latin typeface="Arial" panose="020B0604020202020204" pitchFamily="34" charset="0"/>
+              </a:defRPr>
+            </a:lvl9pPr>
+          </a:lstStyle>
           <a:p>
-            <a:endParaRPr lang="en-US" dirty="0">
-              <a:highlight>
-                <a:srgbClr val="000080"/>
-              </a:highlight>
-            </a:endParaRPr>
-          </a:p>
-        </p:txBody>
-      </p:sp>
-      <p:sp>
-        <p:nvSpPr>
-          <p:cNvPr id="229" name="Line 161">
-            <a:extLst>
-              <a:ext uri="{FF2B5EF4-FFF2-40B4-BE49-F238E27FC236}">
-                <a16:creationId xmlns:a16="http://schemas.microsoft.com/office/drawing/2014/main" id="{D479D776-013C-43D1-BD93-C0885B5CFFB5}"/>
-              </a:ext>
-            </a:extLst>
-          </p:cNvPr>
-          <p:cNvSpPr>
-            <a:spLocks noChangeShapeType="1"/>
-          </p:cNvSpPr>
-          <p:nvPr/>
-        </p:nvSpPr>
-        <p:spPr bwMode="auto">
-          <a:xfrm flipV="1">
-            <a:off x="4208463" y="3686176"/>
-            <a:ext cx="265113" cy="3175"/>
-          </a:xfrm>
-          <a:prstGeom prst="line">
-            <a:avLst/>
-          </a:prstGeom>
-          <a:ln>
-            <a:headEnd/>
-            <a:tailEnd/>
-          </a:ln>
-          <a:extLst>
-            <a:ext uri="{909E8E84-426E-40DD-AFC4-6F175D3DCCD1}">
-              <a14:hiddenFill xmlns:a14="http://schemas.microsoft.com/office/drawing/2010/main">
+            <a:pPr marL="0" marR="0" lvl="0" indent="0" algn="l" defTabSz="914400" rtl="0" eaLnBrk="0" fontAlgn="base" latinLnBrk="0" hangingPunct="0">
+              <a:lnSpc>
+                <a:spcPct val="100000"/>
+              </a:lnSpc>
+              <a:spcBef>
+                <a:spcPct val="0"/>
+              </a:spcBef>
+              <a:spcAft>
+                <a:spcPct val="0"/>
+              </a:spcAft>
+              <a:buClrTx/>
+              <a:buSzTx/>
+              <a:buFontTx/>
+              <a:buNone/>
+              <a:tabLst/>
+            </a:pPr>
+            <a:r>
+              <a:rPr lang="en-US" altLang="en-US" sz="600" dirty="0">
+                <a:solidFill>
+                  <a:srgbClr val="000000"/>
+                </a:solidFill>
+              </a:rPr>
+              <a:t>10</a:t>
+            </a:r>
+            <a:r>
+              <a:rPr kumimoji="0" lang="en-US" altLang="en-US" sz="600" b="0" i="0" u="none" strike="noStrike" cap="none" normalizeH="0" baseline="0" dirty="0">
+                <a:ln>
+                  <a:noFill/>
+                </a:ln>
+                <a:solidFill>
+                  <a:srgbClr val="000000"/>
+                </a:solidFill>
+                <a:effectLst/>
+                <a:latin typeface="Arial" panose="020B0604020202020204" pitchFamily="34" charset="0"/>
+              </a:rPr>
+              <a:t>:6</a:t>
+            </a:r>
+            <a:endParaRPr kumimoji="0" lang="en-US" altLang="en-US" sz="1800" b="0" i="0" u="none" strike="noStrike" cap="none" normalizeH="0" baseline="0" dirty="0">
+              <a:ln>
                 <a:noFill/>
-              </a14:hiddenFill>
-            </a:ext>
-          </a:extLst>
-        </p:spPr>
-        <p:style>
-          <a:lnRef idx="2">
-            <a:schemeClr val="accent2"/>
-          </a:lnRef>
-          <a:fillRef idx="0">
-            <a:schemeClr val="accent2"/>
-          </a:fillRef>
-          <a:effectRef idx="1">
-            <a:schemeClr val="accent2"/>
-          </a:effectRef>
-          <a:fontRef idx="minor">
-            <a:schemeClr val="tx1"/>
-          </a:fontRef>
-        </p:style>
-        <p:txBody>
-          <a:bodyPr vert="horz" wrap="square" lIns="91440" tIns="45720" rIns="91440" bIns="45720" numCol="1" anchor="t" anchorCtr="0" compatLnSpc="1">
-            <a:prstTxWarp prst="textNoShape">
-              <a:avLst/>
-            </a:prstTxWarp>
-          </a:bodyPr>
-          <a:lstStyle/>
-          <a:p>
-            <a:endParaRPr lang="en-US" dirty="0">
-              <a:highlight>
-                <a:srgbClr val="000080"/>
-              </a:highlight>
+              </a:ln>
+              <a:solidFill>
+                <a:schemeClr val="tx1"/>
+              </a:solidFill>
+              <a:effectLst/>
+              <a:latin typeface="Arial" panose="020B0604020202020204" pitchFamily="34" charset="0"/>
             </a:endParaRPr>
           </a:p>
         </p:txBody>
